--- a/Documents/DESIGN AND SIMULATION OF LOCAL AREA NETWORK USING.pptx
+++ b/Documents/DESIGN AND SIMULATION OF LOCAL AREA NETWORK USING.pptx
@@ -4708,7 +4708,7 @@
         </p:nvSpPr>
         <p:spPr>
           <a:xfrm>
-            <a:off x="287212" y="1289455"/>
+            <a:off x="269456" y="1680073"/>
             <a:ext cx="4524485" cy="2585323"/>
           </a:xfrm>
           <a:prstGeom prst="rect">
@@ -6177,6 +6177,15 @@
 </file>
 
 <file path=customXml/item2.xml><?xml version="1.0" encoding="utf-8"?>
+<?mso-contentType ?>
+<FormTemplates xmlns="http://schemas.microsoft.com/sharepoint/v3/contenttype/forms">
+  <Display>DocumentLibraryForm</Display>
+  <Edit>DocumentLibraryForm</Edit>
+  <New>DocumentLibraryForm</New>
+</FormTemplates>
+</file>
+
+<file path=customXml/item3.xml><?xml version="1.0" encoding="utf-8"?>
 <ct:contentTypeSchema xmlns:ct="http://schemas.microsoft.com/office/2006/metadata/contentType" xmlns:ma="http://schemas.microsoft.com/office/2006/metadata/properties/metaAttributes" ct:_="" ma:_="" ma:contentTypeName="Document" ma:contentTypeID="0x01010079F111ED35F8CC479449609E8A0923A6" ma:contentTypeVersion="12" ma:contentTypeDescription="Create a new document." ma:contentTypeScope="" ma:versionID="a410dd7f93c95333ffa1b60ed6adedd1">
   <xsd:schema xmlns:xsd="http://www.w3.org/2001/XMLSchema" xmlns:xs="http://www.w3.org/2001/XMLSchema" xmlns:p="http://schemas.microsoft.com/office/2006/metadata/properties" xmlns:ns2="71af3243-3dd4-4a8d-8c0d-dd76da1f02a5" xmlns:ns3="16c05727-aa75-4e4a-9b5f-8a80a1165891" targetNamespace="http://schemas.microsoft.com/office/2006/metadata/properties" ma:root="true" ma:fieldsID="a936d9baba76aa3866493feff160faab" ns2:_="" ns3:_="">
     <xsd:import namespace="71af3243-3dd4-4a8d-8c0d-dd76da1f02a5"/>
@@ -6397,15 +6406,6 @@
 </ct:contentTypeSchema>
 </file>
 
-<file path=customXml/item3.xml><?xml version="1.0" encoding="utf-8"?>
-<?mso-contentType ?>
-<FormTemplates xmlns="http://schemas.microsoft.com/sharepoint/v3/contenttype/forms">
-  <Display>DocumentLibraryForm</Display>
-  <Edit>DocumentLibraryForm</Edit>
-  <New>DocumentLibraryForm</New>
-</FormTemplates>
-</file>
-
 <file path=customXml/itemProps1.xml><?xml version="1.0" encoding="utf-8"?>
 <ds:datastoreItem xmlns:ds="http://schemas.openxmlformats.org/officeDocument/2006/customXml" ds:itemID="{8F3CD65D-61A5-43C9-A837-6EC73C7DA8AB}">
   <ds:schemaRefs>
@@ -6417,6 +6417,14 @@
 </file>
 
 <file path=customXml/itemProps2.xml><?xml version="1.0" encoding="utf-8"?>
+<ds:datastoreItem xmlns:ds="http://schemas.openxmlformats.org/officeDocument/2006/customXml" ds:itemID="{31F006B4-A9E1-4F39-85C8-FB836F919348}">
+  <ds:schemaRefs>
+    <ds:schemaRef ds:uri="http://schemas.microsoft.com/sharepoint/v3/contenttype/forms"/>
+  </ds:schemaRefs>
+</ds:datastoreItem>
+</file>
+
+<file path=customXml/itemProps3.xml><?xml version="1.0" encoding="utf-8"?>
 <ds:datastoreItem xmlns:ds="http://schemas.openxmlformats.org/officeDocument/2006/customXml" ds:itemID="{16377351-63A1-4C2E-8C9A-66CDD70F16AC}">
   <ds:schemaRefs>
     <ds:schemaRef ds:uri="http://schemas.microsoft.com/office/2006/metadata/contentType"/>
@@ -6433,12 +6441,4 @@
     <ds:schemaRef ds:uri="http://schemas.microsoft.com/internal/obd"/>
   </ds:schemaRefs>
 </ds:datastoreItem>
-</file>
-
-<file path=customXml/itemProps3.xml><?xml version="1.0" encoding="utf-8"?>
-<ds:datastoreItem xmlns:ds="http://schemas.openxmlformats.org/officeDocument/2006/customXml" ds:itemID="{31F006B4-A9E1-4F39-85C8-FB836F919348}">
-  <ds:schemaRefs>
-    <ds:schemaRef ds:uri="http://schemas.microsoft.com/sharepoint/v3/contenttype/forms"/>
-  </ds:schemaRefs>
-</ds:datastoreItem>
 </file>